--- a/Enunciado_Trabalho.pptx.pptx
+++ b/Enunciado_Trabalho.pptx.pptx
@@ -13,7 +13,7 @@
   <p:sldSz cx="9144000" cy="6858000" type="screen4x3"/>
   <p:notesSz cx="6858000" cy="9144000"/>
   <p:custDataLst>
-    <p:tags r:id="rId4"/>
+    <p:tags r:id="rId5"/>
   </p:custDataLst>
   <p:defaultTextStyle>
     <a:defPPr>
@@ -142,7 +142,7 @@
   </p:defaultTextStyle>
   <p:extLst>
     <p:ext uri="{EFAFB233-063F-42B5-8137-9DF3F51BA10A}">
-      <p15:sldGuideLst xmlns="" xmlns:p15="http://schemas.microsoft.com/office/powerpoint/2012/main">
+      <p15:sldGuideLst xmlns:p15="http://schemas.microsoft.com/office/powerpoint/2012/main" xmlns="">
         <p15:guide id="1" orient="horz" pos="2160">
           <p15:clr>
             <a:srgbClr val="A4A3A4"/>
@@ -268,7 +268,7 @@
               <a:pPr>
                 <a:defRPr/>
               </a:pPr>
-              <a:t>05/05/2014</a:t>
+              <a:t>02/06/14</a:t>
             </a:fld>
             <a:endParaRPr lang="pt-BR"/>
           </a:p>
@@ -457,7 +457,7 @@
               <a:pPr>
                 <a:defRPr/>
               </a:pPr>
-              <a:t>‹nº›</a:t>
+              <a:t>‹#›</a:t>
             </a:fld>
             <a:endParaRPr lang="pt-BR"/>
           </a:p>
@@ -635,7 +635,7 @@
   <p:clrMapOvr>
     <a:masterClrMapping/>
   </p:clrMapOvr>
-  <p:transition spd="med"/>
+  <p:transition xmlns:p14="http://schemas.microsoft.com/office/powerpoint/2010/main" spd="med"/>
 </p:sldLayout>
 </file>
 
@@ -666,7 +666,7 @@
   <p:clrMapOvr>
     <a:masterClrMapping/>
   </p:clrMapOvr>
-  <p:transition spd="med"/>
+  <p:transition xmlns:p14="http://schemas.microsoft.com/office/powerpoint/2010/main" spd="med"/>
 </p:sldLayout>
 </file>
 
@@ -895,7 +895,7 @@
             <a:fld id="{06E94002-BB58-45B7-8829-2A2347A09EB9}" type="slidenum">
               <a:rPr/>
               <a:pPr lvl="0"/>
-              <a:t>‹nº›</a:t>
+              <a:t>‹#›</a:t>
             </a:fld>
             <a:endParaRPr lang="pt-BR"/>
           </a:p>
@@ -911,7 +911,7 @@
   <p:clrMapOvr>
     <a:masterClrMapping/>
   </p:clrMapOvr>
-  <p:transition/>
+  <p:transition xmlns:p14="http://schemas.microsoft.com/office/powerpoint/2010/main"/>
 </p:sldLayout>
 </file>
 
@@ -952,11 +952,11 @@
     <p:sldLayoutId id="2147483979" r:id="rId2"/>
     <p:sldLayoutId id="2147483985" r:id="rId3"/>
   </p:sldLayoutIdLst>
-  <p:transition spd="med"/>
+  <p:transition xmlns:p14="http://schemas.microsoft.com/office/powerpoint/2010/main" spd="med"/>
   <p:timing>
     <p:tnLst>
       <p:par>
-        <p:cTn id="1" dur="indefinite" restart="never" nodeType="tmRoot"/>
+        <p:cTn xmlns:p14="http://schemas.microsoft.com/office/powerpoint/2010/main" id="1" dur="indefinite" restart="never" nodeType="tmRoot"/>
       </p:par>
     </p:tnLst>
   </p:timing>
@@ -1438,7 +1438,11 @@
             </a:pPr>
             <a:r>
               <a:rPr lang="pt-BR" dirty="0" smtClean="0"/>
-              <a:t>Utilizando o código dado em aula (disponível na página </a:t>
+              <a:t>OK - Utilizando </a:t>
+            </a:r>
+            <a:r>
+              <a:rPr lang="pt-BR" dirty="0" smtClean="0"/>
+              <a:t>o código dado em aula (disponível na página </a:t>
             </a:r>
             <a:r>
               <a:rPr lang="pt-BR" dirty="0" err="1" smtClean="0"/>
@@ -1456,7 +1460,11 @@
             </a:pPr>
             <a:r>
               <a:rPr lang="pt-BR" dirty="0" smtClean="0"/>
-              <a:t>Implemente o algoritmo de </a:t>
+              <a:t>OK - Implemente </a:t>
+            </a:r>
+            <a:r>
+              <a:rPr lang="pt-BR" dirty="0" smtClean="0"/>
+              <a:t>o algoritmo de </a:t>
             </a:r>
             <a:r>
               <a:rPr lang="pt-BR" dirty="0" err="1" smtClean="0"/>
@@ -1474,7 +1482,11 @@
             </a:pPr>
             <a:r>
               <a:rPr lang="pt-BR" dirty="0" smtClean="0"/>
-              <a:t>Construa duas máscaras para serem utilizadas com o filtro:</a:t>
+              <a:t>OK - Construa </a:t>
+            </a:r>
+            <a:r>
+              <a:rPr lang="pt-BR" dirty="0" smtClean="0"/>
+              <a:t>duas máscaras para serem utilizadas com o filtro:</a:t>
             </a:r>
           </a:p>
           <a:p>
@@ -1629,7 +1641,7 @@
   <p:clrMapOvr>
     <a:masterClrMapping/>
   </p:clrMapOvr>
-  <p:transition/>
+  <p:transition xmlns:p14="http://schemas.microsoft.com/office/powerpoint/2010/main"/>
 </p:sld>
 </file>
 
